--- a/Clase 8 - Ensamble Models/Tarea 8 - presentacion.pptx
+++ b/Clase 8 - Ensamble Models/Tarea 8 - presentacion.pptx
@@ -7,6 +7,7 @@
   <p:sldIdLst>
     <p:sldId id="266" r:id="rId2"/>
     <p:sldId id="355" r:id="rId3"/>
+    <p:sldId id="356" r:id="rId4"/>
   </p:sldIdLst>
   <p:sldSz cx="12192000" cy="6858000"/>
   <p:notesSz cx="6858000" cy="9144000"/>
@@ -116,6 +117,7 @@
 <file path=ppt/revisionInfo.xml><?xml version="1.0" encoding="utf-8"?>
 <p1510:revInfo xmlns:a="http://schemas.openxmlformats.org/drawingml/2006/main" xmlns:r="http://schemas.openxmlformats.org/officeDocument/2006/relationships" xmlns:p1510="http://schemas.microsoft.com/office/powerpoint/2015/10/main">
   <p1510:revLst>
+    <p1510:client id="{968AD807-38F7-4F35-887E-E1470C24F5BD}" v="39" dt="2022-06-28T14:32:02.255"/>
     <p1510:client id="{B9131FFB-9A33-47E4-9085-BF604FB614A2}" v="9" dt="2022-06-28T04:49:49.974"/>
   </p1510:revLst>
 </p1510:revInfo>
@@ -123,6 +125,165 @@
 
 <file path=ppt/changesInfos/changesInfo1.xml><?xml version="1.0" encoding="utf-8"?>
 <pc:chgInfo xmlns:a="http://schemas.openxmlformats.org/drawingml/2006/main" xmlns:r="http://schemas.openxmlformats.org/officeDocument/2006/relationships" xmlns:ac="http://schemas.microsoft.com/office/drawing/2013/main/command" xmlns:pc="http://schemas.microsoft.com/office/powerpoint/2013/main/command">
+  <pc:docChgLst>
+    <pc:chgData name="Diego Ernesto Herrera Malambo" userId="2e36c885-d5ae-492a-8e9c-26fc69fcd962" providerId="ADAL" clId="{968AD807-38F7-4F35-887E-E1470C24F5BD}"/>
+    <pc:docChg chg="undo custSel addSld modSld">
+      <pc:chgData name="Diego Ernesto Herrera Malambo" userId="2e36c885-d5ae-492a-8e9c-26fc69fcd962" providerId="ADAL" clId="{968AD807-38F7-4F35-887E-E1470C24F5BD}" dt="2022-06-28T14:32:22.187" v="1494" actId="114"/>
+      <pc:docMkLst>
+        <pc:docMk/>
+      </pc:docMkLst>
+      <pc:sldChg chg="addSp modSp mod">
+        <pc:chgData name="Diego Ernesto Herrera Malambo" userId="2e36c885-d5ae-492a-8e9c-26fc69fcd962" providerId="ADAL" clId="{968AD807-38F7-4F35-887E-E1470C24F5BD}" dt="2022-06-28T13:17:17.328" v="544" actId="20577"/>
+        <pc:sldMkLst>
+          <pc:docMk/>
+          <pc:sldMk cId="3781593504" sldId="355"/>
+        </pc:sldMkLst>
+        <pc:spChg chg="add mod">
+          <ac:chgData name="Diego Ernesto Herrera Malambo" userId="2e36c885-d5ae-492a-8e9c-26fc69fcd962" providerId="ADAL" clId="{968AD807-38F7-4F35-887E-E1470C24F5BD}" dt="2022-06-28T13:15:57.438" v="526" actId="1036"/>
+          <ac:spMkLst>
+            <pc:docMk/>
+            <pc:sldMk cId="3781593504" sldId="355"/>
+            <ac:spMk id="2" creationId="{92769C65-2229-BD80-87D2-C249EEFFEA06}"/>
+          </ac:spMkLst>
+        </pc:spChg>
+        <pc:spChg chg="mod">
+          <ac:chgData name="Diego Ernesto Herrera Malambo" userId="2e36c885-d5ae-492a-8e9c-26fc69fcd962" providerId="ADAL" clId="{968AD807-38F7-4F35-887E-E1470C24F5BD}" dt="2022-06-28T13:14:45.224" v="486" actId="114"/>
+          <ac:spMkLst>
+            <pc:docMk/>
+            <pc:sldMk cId="3781593504" sldId="355"/>
+            <ac:spMk id="5" creationId="{C54765C7-57E2-96CA-03AE-65D25C6BAD2A}"/>
+          </ac:spMkLst>
+        </pc:spChg>
+        <pc:spChg chg="mod">
+          <ac:chgData name="Diego Ernesto Herrera Malambo" userId="2e36c885-d5ae-492a-8e9c-26fc69fcd962" providerId="ADAL" clId="{968AD807-38F7-4F35-887E-E1470C24F5BD}" dt="2022-06-28T13:17:17.328" v="544" actId="20577"/>
+          <ac:spMkLst>
+            <pc:docMk/>
+            <pc:sldMk cId="3781593504" sldId="355"/>
+            <ac:spMk id="6" creationId="{CD3435CB-4537-4F1F-A11E-27DE31650A8C}"/>
+          </ac:spMkLst>
+        </pc:spChg>
+        <pc:spChg chg="mod">
+          <ac:chgData name="Diego Ernesto Herrera Malambo" userId="2e36c885-d5ae-492a-8e9c-26fc69fcd962" providerId="ADAL" clId="{968AD807-38F7-4F35-887E-E1470C24F5BD}" dt="2022-06-28T13:13:35.750" v="465" actId="14100"/>
+          <ac:spMkLst>
+            <pc:docMk/>
+            <pc:sldMk cId="3781593504" sldId="355"/>
+            <ac:spMk id="10" creationId="{0A54CEDB-F13E-F04A-3833-FA5CF3B27B3F}"/>
+          </ac:spMkLst>
+        </pc:spChg>
+        <pc:picChg chg="mod">
+          <ac:chgData name="Diego Ernesto Herrera Malambo" userId="2e36c885-d5ae-492a-8e9c-26fc69fcd962" providerId="ADAL" clId="{968AD807-38F7-4F35-887E-E1470C24F5BD}" dt="2022-06-28T13:13:46.340" v="481" actId="1076"/>
+          <ac:picMkLst>
+            <pc:docMk/>
+            <pc:sldMk cId="3781593504" sldId="355"/>
+            <ac:picMk id="8" creationId="{F25CD907-AB18-06C9-8ECB-879B4E45D9DF}"/>
+          </ac:picMkLst>
+        </pc:picChg>
+        <pc:picChg chg="mod">
+          <ac:chgData name="Diego Ernesto Herrera Malambo" userId="2e36c885-d5ae-492a-8e9c-26fc69fcd962" providerId="ADAL" clId="{968AD807-38F7-4F35-887E-E1470C24F5BD}" dt="2022-06-28T13:13:40.287" v="480" actId="1035"/>
+          <ac:picMkLst>
+            <pc:docMk/>
+            <pc:sldMk cId="3781593504" sldId="355"/>
+            <ac:picMk id="1026" creationId="{C276A520-79A7-65CE-2860-5600C8603B14}"/>
+          </ac:picMkLst>
+        </pc:picChg>
+        <pc:picChg chg="mod">
+          <ac:chgData name="Diego Ernesto Herrera Malambo" userId="2e36c885-d5ae-492a-8e9c-26fc69fcd962" providerId="ADAL" clId="{968AD807-38F7-4F35-887E-E1470C24F5BD}" dt="2022-06-28T13:13:55.647" v="483" actId="1076"/>
+          <ac:picMkLst>
+            <pc:docMk/>
+            <pc:sldMk cId="3781593504" sldId="355"/>
+            <ac:picMk id="1028" creationId="{338E677F-0A48-6823-D6D4-17813CDF3334}"/>
+          </ac:picMkLst>
+        </pc:picChg>
+      </pc:sldChg>
+      <pc:sldChg chg="addSp delSp modSp add mod">
+        <pc:chgData name="Diego Ernesto Herrera Malambo" userId="2e36c885-d5ae-492a-8e9c-26fc69fcd962" providerId="ADAL" clId="{968AD807-38F7-4F35-887E-E1470C24F5BD}" dt="2022-06-28T14:32:22.187" v="1494" actId="114"/>
+        <pc:sldMkLst>
+          <pc:docMk/>
+          <pc:sldMk cId="1087520170" sldId="356"/>
+        </pc:sldMkLst>
+        <pc:spChg chg="mod">
+          <ac:chgData name="Diego Ernesto Herrera Malambo" userId="2e36c885-d5ae-492a-8e9c-26fc69fcd962" providerId="ADAL" clId="{968AD807-38F7-4F35-887E-E1470C24F5BD}" dt="2022-06-28T14:32:22.187" v="1494" actId="114"/>
+          <ac:spMkLst>
+            <pc:docMk/>
+            <pc:sldMk cId="1087520170" sldId="356"/>
+            <ac:spMk id="5" creationId="{C54765C7-57E2-96CA-03AE-65D25C6BAD2A}"/>
+          </ac:spMkLst>
+        </pc:spChg>
+        <pc:spChg chg="mod">
+          <ac:chgData name="Diego Ernesto Herrera Malambo" userId="2e36c885-d5ae-492a-8e9c-26fc69fcd962" providerId="ADAL" clId="{968AD807-38F7-4F35-887E-E1470C24F5BD}" dt="2022-06-28T14:32:15.182" v="1492" actId="313"/>
+          <ac:spMkLst>
+            <pc:docMk/>
+            <pc:sldMk cId="1087520170" sldId="356"/>
+            <ac:spMk id="6" creationId="{CD3435CB-4537-4F1F-A11E-27DE31650A8C}"/>
+          </ac:spMkLst>
+        </pc:spChg>
+        <pc:spChg chg="del">
+          <ac:chgData name="Diego Ernesto Herrera Malambo" userId="2e36c885-d5ae-492a-8e9c-26fc69fcd962" providerId="ADAL" clId="{968AD807-38F7-4F35-887E-E1470C24F5BD}" dt="2022-06-28T13:17:37.333" v="586" actId="478"/>
+          <ac:spMkLst>
+            <pc:docMk/>
+            <pc:sldMk cId="1087520170" sldId="356"/>
+            <ac:spMk id="10" creationId="{0A54CEDB-F13E-F04A-3833-FA5CF3B27B3F}"/>
+          </ac:spMkLst>
+        </pc:spChg>
+        <pc:picChg chg="add del mod">
+          <ac:chgData name="Diego Ernesto Herrera Malambo" userId="2e36c885-d5ae-492a-8e9c-26fc69fcd962" providerId="ADAL" clId="{968AD807-38F7-4F35-887E-E1470C24F5BD}" dt="2022-06-28T14:15:21.794" v="1010" actId="478"/>
+          <ac:picMkLst>
+            <pc:docMk/>
+            <pc:sldMk cId="1087520170" sldId="356"/>
+            <ac:picMk id="7" creationId="{27D6CA7C-5BA8-96FD-5A81-B21AFC359207}"/>
+          </ac:picMkLst>
+        </pc:picChg>
+        <pc:picChg chg="del">
+          <ac:chgData name="Diego Ernesto Herrera Malambo" userId="2e36c885-d5ae-492a-8e9c-26fc69fcd962" providerId="ADAL" clId="{968AD807-38F7-4F35-887E-E1470C24F5BD}" dt="2022-06-28T13:17:33.278" v="584" actId="478"/>
+          <ac:picMkLst>
+            <pc:docMk/>
+            <pc:sldMk cId="1087520170" sldId="356"/>
+            <ac:picMk id="8" creationId="{F25CD907-AB18-06C9-8ECB-879B4E45D9DF}"/>
+          </ac:picMkLst>
+        </pc:picChg>
+        <pc:picChg chg="add del mod">
+          <ac:chgData name="Diego Ernesto Herrera Malambo" userId="2e36c885-d5ae-492a-8e9c-26fc69fcd962" providerId="ADAL" clId="{968AD807-38F7-4F35-887E-E1470C24F5BD}" dt="2022-06-28T13:59:52.714" v="722" actId="478"/>
+          <ac:picMkLst>
+            <pc:docMk/>
+            <pc:sldMk cId="1087520170" sldId="356"/>
+            <ac:picMk id="11" creationId="{7AFF918A-8231-B704-6249-B4A89A1B157D}"/>
+          </ac:picMkLst>
+        </pc:picChg>
+        <pc:picChg chg="add mod">
+          <ac:chgData name="Diego Ernesto Herrera Malambo" userId="2e36c885-d5ae-492a-8e9c-26fc69fcd962" providerId="ADAL" clId="{968AD807-38F7-4F35-887E-E1470C24F5BD}" dt="2022-06-28T14:32:02.254" v="1489" actId="167"/>
+          <ac:picMkLst>
+            <pc:docMk/>
+            <pc:sldMk cId="1087520170" sldId="356"/>
+            <ac:picMk id="12" creationId="{543C7B06-F3A5-2395-9220-53E300740D27}"/>
+          </ac:picMkLst>
+        </pc:picChg>
+        <pc:picChg chg="add mod">
+          <ac:chgData name="Diego Ernesto Herrera Malambo" userId="2e36c885-d5ae-492a-8e9c-26fc69fcd962" providerId="ADAL" clId="{968AD807-38F7-4F35-887E-E1470C24F5BD}" dt="2022-06-28T14:32:10.655" v="1491" actId="1076"/>
+          <ac:picMkLst>
+            <pc:docMk/>
+            <pc:sldMk cId="1087520170" sldId="356"/>
+            <ac:picMk id="14" creationId="{E929C1CA-DB4E-95D7-C83B-CAE61F3491E1}"/>
+          </ac:picMkLst>
+        </pc:picChg>
+        <pc:picChg chg="del">
+          <ac:chgData name="Diego Ernesto Herrera Malambo" userId="2e36c885-d5ae-492a-8e9c-26fc69fcd962" providerId="ADAL" clId="{968AD807-38F7-4F35-887E-E1470C24F5BD}" dt="2022-06-28T13:17:31.844" v="583" actId="478"/>
+          <ac:picMkLst>
+            <pc:docMk/>
+            <pc:sldMk cId="1087520170" sldId="356"/>
+            <ac:picMk id="1026" creationId="{C276A520-79A7-65CE-2860-5600C8603B14}"/>
+          </ac:picMkLst>
+        </pc:picChg>
+        <pc:picChg chg="del">
+          <ac:chgData name="Diego Ernesto Herrera Malambo" userId="2e36c885-d5ae-492a-8e9c-26fc69fcd962" providerId="ADAL" clId="{968AD807-38F7-4F35-887E-E1470C24F5BD}" dt="2022-06-28T13:17:35.081" v="585" actId="478"/>
+          <ac:picMkLst>
+            <pc:docMk/>
+            <pc:sldMk cId="1087520170" sldId="356"/>
+            <ac:picMk id="1028" creationId="{338E677F-0A48-6823-D6D4-17813CDF3334}"/>
+          </ac:picMkLst>
+        </pc:picChg>
+      </pc:sldChg>
+    </pc:docChg>
+  </pc:docChgLst>
   <pc:docChgLst>
     <pc:chgData name="Diego Ernesto Herrera Malambo" userId="32bf863c-9846-4abb-a289-8e518c426389" providerId="ADAL" clId="{A912C343-BFAF-4077-AEE6-B19DD2AC4427}"/>
     <pc:docChg chg="addSld modSld">
@@ -1213,7 +1374,7 @@
           <a:p>
             <a:fld id="{75A614D3-0F9F-49FB-8D90-F99652E4804C}" type="datetimeFigureOut">
               <a:rPr lang="es-CO" smtClean="0"/>
-              <a:t>27/06/2022</a:t>
+              <a:t>28/06/2022</a:t>
             </a:fld>
             <a:endParaRPr lang="es-CO"/>
           </a:p>
@@ -1460,7 +1621,7 @@
           <a:p>
             <a:fld id="{5E4A63F0-AC00-ED4B-BFF3-9E4584FF0F96}" type="datetimeFigureOut">
               <a:rPr lang="en-CO" smtClean="0"/>
-              <a:t>06/27/2022</a:t>
+              <a:t>06/28/2022</a:t>
             </a:fld>
             <a:endParaRPr lang="en-CO"/>
           </a:p>
@@ -1640,7 +1801,7 @@
           <a:p>
             <a:fld id="{5E4A63F0-AC00-ED4B-BFF3-9E4584FF0F96}" type="datetimeFigureOut">
               <a:rPr lang="en-CO" smtClean="0"/>
-              <a:t>06/27/2022</a:t>
+              <a:t>06/28/2022</a:t>
             </a:fld>
             <a:endParaRPr lang="en-CO"/>
           </a:p>
@@ -1879,7 +2040,7 @@
           <a:p>
             <a:fld id="{75A614D3-0F9F-49FB-8D90-F99652E4804C}" type="datetimeFigureOut">
               <a:rPr lang="es-CO" smtClean="0"/>
-              <a:t>27/06/2022</a:t>
+              <a:t>28/06/2022</a:t>
             </a:fld>
             <a:endParaRPr lang="es-CO"/>
           </a:p>
@@ -2094,7 +2255,7 @@
           <a:p>
             <a:fld id="{5E4A63F0-AC00-ED4B-BFF3-9E4584FF0F96}" type="datetimeFigureOut">
               <a:rPr lang="en-CO" smtClean="0"/>
-              <a:t>06/27/2022</a:t>
+              <a:t>06/28/2022</a:t>
             </a:fld>
             <a:endParaRPr lang="en-CO"/>
           </a:p>
@@ -2340,7 +2501,7 @@
           <a:p>
             <a:fld id="{5E4A63F0-AC00-ED4B-BFF3-9E4584FF0F96}" type="datetimeFigureOut">
               <a:rPr lang="en-CO" smtClean="0"/>
-              <a:t>06/27/2022</a:t>
+              <a:t>06/28/2022</a:t>
             </a:fld>
             <a:endParaRPr lang="en-CO"/>
           </a:p>
@@ -2572,7 +2733,7 @@
           <a:p>
             <a:fld id="{5E4A63F0-AC00-ED4B-BFF3-9E4584FF0F96}" type="datetimeFigureOut">
               <a:rPr lang="en-CO" smtClean="0"/>
-              <a:t>06/27/2022</a:t>
+              <a:t>06/28/2022</a:t>
             </a:fld>
             <a:endParaRPr lang="en-CO"/>
           </a:p>
@@ -2939,7 +3100,7 @@
           <a:p>
             <a:fld id="{5E4A63F0-AC00-ED4B-BFF3-9E4584FF0F96}" type="datetimeFigureOut">
               <a:rPr lang="en-CO" smtClean="0"/>
-              <a:t>06/27/2022</a:t>
+              <a:t>06/28/2022</a:t>
             </a:fld>
             <a:endParaRPr lang="en-CO"/>
           </a:p>
@@ -3057,7 +3218,7 @@
           <a:p>
             <a:fld id="{5E4A63F0-AC00-ED4B-BFF3-9E4584FF0F96}" type="datetimeFigureOut">
               <a:rPr lang="en-CO" smtClean="0"/>
-              <a:t>06/27/2022</a:t>
+              <a:t>06/28/2022</a:t>
             </a:fld>
             <a:endParaRPr lang="en-CO"/>
           </a:p>
@@ -3152,7 +3313,7 @@
           <a:p>
             <a:fld id="{5E4A63F0-AC00-ED4B-BFF3-9E4584FF0F96}" type="datetimeFigureOut">
               <a:rPr lang="en-CO" smtClean="0"/>
-              <a:t>06/27/2022</a:t>
+              <a:t>06/28/2022</a:t>
             </a:fld>
             <a:endParaRPr lang="en-CO"/>
           </a:p>
@@ -3429,7 +3590,7 @@
           <a:p>
             <a:fld id="{5E4A63F0-AC00-ED4B-BFF3-9E4584FF0F96}" type="datetimeFigureOut">
               <a:rPr lang="en-CO" smtClean="0"/>
-              <a:t>06/27/2022</a:t>
+              <a:t>06/28/2022</a:t>
             </a:fld>
             <a:endParaRPr lang="en-CO"/>
           </a:p>
@@ -3686,7 +3847,7 @@
           <a:p>
             <a:fld id="{5E4A63F0-AC00-ED4B-BFF3-9E4584FF0F96}" type="datetimeFigureOut">
               <a:rPr lang="en-CO" smtClean="0"/>
-              <a:t>06/27/2022</a:t>
+              <a:t>06/28/2022</a:t>
             </a:fld>
             <a:endParaRPr lang="en-CO"/>
           </a:p>
@@ -3899,7 +4060,7 @@
           <a:p>
             <a:fld id="{5E4A63F0-AC00-ED4B-BFF3-9E4584FF0F96}" type="datetimeFigureOut">
               <a:rPr lang="en-CO" smtClean="0"/>
-              <a:t>06/27/2022</a:t>
+              <a:t>06/28/2022</a:t>
             </a:fld>
             <a:endParaRPr lang="en-CO"/>
           </a:p>
@@ -4821,9 +4982,10 @@
           <a:p>
             <a:pPr algn="ctr"/>
             <a:r>
-              <a:rPr lang="es-CO" b="1" dirty="0"/>
-              <a:t>Implementación de métodos de ensamble</a:t>
-            </a:r>
+              <a:rPr lang="es-CO" b="1" dirty="0" err="1"/>
+              <a:t>Dataset</a:t>
+            </a:r>
+            <a:endParaRPr lang="es-CO" b="1" dirty="0"/>
           </a:p>
         </p:txBody>
       </p:sp>
@@ -4887,7 +5049,7 @@
         <p:spPr>
           <a:xfrm>
             <a:off x="207448" y="1000125"/>
-            <a:ext cx="10102621" cy="307777"/>
+            <a:ext cx="11707744" cy="738664"/>
           </a:xfrm>
           <a:prstGeom prst="rect">
             <a:avLst/>
@@ -4911,7 +5073,111 @@
             </a:r>
             <a:r>
               <a:rPr lang="es-CO" sz="1400" dirty="0"/>
-              <a:t> corresponde a los datos de costo de servicios de salud y consta de 7 variables de las cuales una es la dependiente continua.</a:t>
+              <a:t> corresponde a los datos simulados de costo de servicios de salud de una aseguradora de pacientes de Estados Unidos creado  desde los datos </a:t>
+            </a:r>
+            <a:r>
+              <a:rPr lang="es-CO" sz="1400" dirty="0" err="1"/>
+              <a:t>demgraficos</a:t>
+            </a:r>
+            <a:r>
+              <a:rPr lang="es-CO" sz="1400" dirty="0"/>
+              <a:t> del </a:t>
+            </a:r>
+            <a:r>
+              <a:rPr lang="en-US" sz="1400" dirty="0"/>
+              <a:t>U.S. Census Bureau y </a:t>
+            </a:r>
+            <a:r>
+              <a:rPr lang="en-US" sz="1400" dirty="0" err="1"/>
+              <a:t>refleja</a:t>
+            </a:r>
+            <a:r>
+              <a:rPr lang="en-US" sz="1400" dirty="0"/>
+              <a:t> </a:t>
+            </a:r>
+            <a:r>
+              <a:rPr lang="en-US" sz="1400" dirty="0" err="1"/>
+              <a:t>aproximadamante</a:t>
+            </a:r>
+            <a:r>
+              <a:rPr lang="en-US" sz="1400" dirty="0"/>
+              <a:t> las </a:t>
+            </a:r>
+            <a:r>
+              <a:rPr lang="en-US" sz="1400" dirty="0" err="1"/>
+              <a:t>condiciones</a:t>
+            </a:r>
+            <a:r>
+              <a:rPr lang="en-US" sz="1400" dirty="0"/>
+              <a:t> </a:t>
+            </a:r>
+            <a:r>
+              <a:rPr lang="en-US" sz="1400" dirty="0" err="1"/>
+              <a:t>reales</a:t>
+            </a:r>
+            <a:r>
+              <a:rPr lang="en-US" sz="1400" dirty="0"/>
+              <a:t> en </a:t>
+            </a:r>
+            <a:r>
+              <a:rPr lang="en-US" sz="1400" dirty="0" err="1"/>
+              <a:t>su</a:t>
+            </a:r>
+            <a:r>
+              <a:rPr lang="en-US" sz="1400" dirty="0"/>
+              <a:t> </a:t>
+            </a:r>
+            <a:r>
+              <a:rPr lang="en-US" sz="1400" dirty="0" err="1"/>
+              <a:t>momento</a:t>
+            </a:r>
+            <a:r>
+              <a:rPr lang="en-US" sz="1400" dirty="0"/>
+              <a:t> (2013)</a:t>
+            </a:r>
+            <a:r>
+              <a:rPr lang="es-CO" sz="1400" dirty="0"/>
+              <a:t>. Este </a:t>
+            </a:r>
+            <a:r>
+              <a:rPr lang="es-CO" sz="1400" dirty="0" err="1"/>
+              <a:t>dataset</a:t>
+            </a:r>
+            <a:r>
+              <a:rPr lang="es-CO" sz="1400" dirty="0"/>
+              <a:t> costa de 7 variables de las cuales una es la dependiente continua (</a:t>
+            </a:r>
+            <a:r>
+              <a:rPr lang="es-CO" sz="1400" dirty="0" err="1"/>
+              <a:t>charges</a:t>
+            </a:r>
+            <a:r>
+              <a:rPr lang="es-CO" sz="1400" dirty="0"/>
+              <a:t>). Para mayor referencia se puede consultar el libro </a:t>
+            </a:r>
+            <a:r>
+              <a:rPr lang="es-CO" sz="1400" b="1" i="1" dirty="0"/>
+              <a:t>Machine </a:t>
+            </a:r>
+            <a:r>
+              <a:rPr lang="es-CO" sz="1400" b="1" i="1" dirty="0" err="1"/>
+              <a:t>Learning</a:t>
+            </a:r>
+            <a:r>
+              <a:rPr lang="es-CO" sz="1400" b="1" i="1" dirty="0"/>
+              <a:t> </a:t>
+            </a:r>
+            <a:r>
+              <a:rPr lang="es-CO" sz="1400" b="1" i="1" dirty="0" err="1"/>
+              <a:t>with</a:t>
+            </a:r>
+            <a:r>
+              <a:rPr lang="es-CO" sz="1400" b="1" i="1" dirty="0"/>
+              <a:t> R </a:t>
+            </a:r>
+            <a:r>
+              <a:rPr lang="es-CO" sz="1400" dirty="0"/>
+              <a:t>en la pagina 173.</a:t>
             </a:r>
           </a:p>
         </p:txBody>
@@ -4945,8 +5211,8 @@
         </p:blipFill>
         <p:spPr bwMode="auto">
           <a:xfrm>
-            <a:off x="207448" y="1595535"/>
-            <a:ext cx="4673057" cy="4679657"/>
+            <a:off x="207449" y="2064062"/>
+            <a:ext cx="4515472" cy="4521849"/>
           </a:xfrm>
           <a:prstGeom prst="rect">
             <a:avLst/>
@@ -4985,8 +5251,8 @@
         </p:blipFill>
         <p:spPr>
           <a:xfrm>
-            <a:off x="4980020" y="1431763"/>
-            <a:ext cx="6935172" cy="2863067"/>
+            <a:off x="5224183" y="2041390"/>
+            <a:ext cx="6455425" cy="2665012"/>
           </a:xfrm>
           <a:prstGeom prst="rect">
             <a:avLst/>
@@ -5007,8 +5273,8 @@
         </p:nvSpPr>
         <p:spPr>
           <a:xfrm>
-            <a:off x="4980020" y="4418691"/>
-            <a:ext cx="7211980" cy="523220"/>
+            <a:off x="5113538" y="4921548"/>
+            <a:ext cx="6977848" cy="307777"/>
           </a:xfrm>
           <a:prstGeom prst="rect">
             <a:avLst/>
@@ -5024,15 +5290,7 @@
             <a:pPr algn="just"/>
             <a:r>
               <a:rPr lang="es-CO" sz="1400" dirty="0"/>
-              <a:t>El </a:t>
-            </a:r>
-            <a:r>
-              <a:rPr lang="es-CO" sz="1400" dirty="0" err="1"/>
-              <a:t>dataset</a:t>
-            </a:r>
-            <a:r>
-              <a:rPr lang="es-CO" sz="1400" dirty="0"/>
-              <a:t> corresponde a los datos de costo de servicios de salud y consta de 7 variables de las cuales una es la dependiente continua.</a:t>
+              <a:t>Distribución de costo</a:t>
             </a:r>
           </a:p>
         </p:txBody>
@@ -5066,8 +5324,8 @@
         </p:blipFill>
         <p:spPr bwMode="auto">
           <a:xfrm>
-            <a:off x="4980020" y="5229325"/>
-            <a:ext cx="7211980" cy="1263676"/>
+            <a:off x="5224183" y="5288289"/>
+            <a:ext cx="6501414" cy="1139171"/>
           </a:xfrm>
           <a:prstGeom prst="rect">
             <a:avLst/>
@@ -5084,10 +5342,481 @@
           </a:extLst>
         </p:spPr>
       </p:pic>
+      <p:sp>
+        <p:nvSpPr>
+          <p:cNvPr id="2" name="CuadroTexto 1">
+            <a:extLst>
+              <a:ext uri="{FF2B5EF4-FFF2-40B4-BE49-F238E27FC236}">
+                <a16:creationId xmlns:a16="http://schemas.microsoft.com/office/drawing/2014/main" id="{92769C65-2229-BD80-87D2-C249EEFFEA06}"/>
+              </a:ext>
+            </a:extLst>
+          </p:cNvPr>
+          <p:cNvSpPr txBox="1"/>
+          <p:nvPr/>
+        </p:nvSpPr>
+        <p:spPr>
+          <a:xfrm>
+            <a:off x="2369977" y="6559741"/>
+            <a:ext cx="9822024" cy="276999"/>
+          </a:xfrm>
+          <a:prstGeom prst="rect">
+            <a:avLst/>
+          </a:prstGeom>
+          <a:noFill/>
+        </p:spPr>
+        <p:txBody>
+          <a:bodyPr wrap="square" rtlCol="0">
+            <a:spAutoFit/>
+          </a:bodyPr>
+          <a:lstStyle/>
+          <a:p>
+            <a:pPr algn="r"/>
+            <a:r>
+              <a:rPr lang="es-CO" sz="1200" dirty="0"/>
+              <a:t>Notebook: </a:t>
+            </a:r>
+            <a:r>
+              <a:rPr lang="es-CO" sz="1200" dirty="0">
+                <a:hlinkClick r:id="rId6"/>
+              </a:rPr>
+              <a:t>https://github.com/dherrerambo/analisis-de-datos-avanzados/blob/master/Clase%208%20-%20Ensamble%20Models/Tarea8.ipynb</a:t>
+            </a:r>
+            <a:endParaRPr lang="es-CO" sz="1200" dirty="0"/>
+          </a:p>
+        </p:txBody>
+      </p:sp>
     </p:spTree>
     <p:extLst>
       <p:ext uri="{BB962C8B-B14F-4D97-AF65-F5344CB8AC3E}">
         <p14:creationId xmlns:p14="http://schemas.microsoft.com/office/powerpoint/2010/main" val="3781593504"/>
+      </p:ext>
+    </p:extLst>
+  </p:cSld>
+  <p:clrMapOvr>
+    <a:masterClrMapping/>
+  </p:clrMapOvr>
+</p:sld>
+</file>
+
+<file path=ppt/slides/slide3.xml><?xml version="1.0" encoding="utf-8"?>
+<p:sld xmlns:a="http://schemas.openxmlformats.org/drawingml/2006/main" xmlns:r="http://schemas.openxmlformats.org/officeDocument/2006/relationships" xmlns:p="http://schemas.openxmlformats.org/presentationml/2006/main">
+  <p:cSld>
+    <p:bg>
+      <p:bgPr>
+        <a:solidFill>
+          <a:schemeClr val="bg1">
+            <a:lumMod val="85000"/>
+            <a:lumOff val="15000"/>
+          </a:schemeClr>
+        </a:solidFill>
+        <a:effectLst/>
+      </p:bgPr>
+    </p:bg>
+    <p:spTree>
+      <p:nvGrpSpPr>
+        <p:cNvPr id="1" name=""/>
+        <p:cNvGrpSpPr/>
+        <p:nvPr/>
+      </p:nvGrpSpPr>
+      <p:grpSpPr>
+        <a:xfrm>
+          <a:off x="0" y="0"/>
+          <a:ext cx="0" cy="0"/>
+          <a:chOff x="0" y="0"/>
+          <a:chExt cx="0" cy="0"/>
+        </a:xfrm>
+      </p:grpSpPr>
+      <p:pic>
+        <p:nvPicPr>
+          <p:cNvPr id="12" name="Picture 2">
+            <a:extLst>
+              <a:ext uri="{FF2B5EF4-FFF2-40B4-BE49-F238E27FC236}">
+                <a16:creationId xmlns:a16="http://schemas.microsoft.com/office/drawing/2014/main" id="{543C7B06-F3A5-2395-9220-53E300740D27}"/>
+              </a:ext>
+            </a:extLst>
+          </p:cNvPr>
+          <p:cNvPicPr>
+            <a:picLocks noChangeAspect="1" noChangeArrowheads="1"/>
+          </p:cNvPicPr>
+          <p:nvPr/>
+        </p:nvPicPr>
+        <p:blipFill>
+          <a:blip r:embed="rId2">
+            <a:extLst>
+              <a:ext uri="{28A0092B-C50C-407E-A947-70E740481C1C}">
+                <a14:useLocalDpi xmlns:a14="http://schemas.microsoft.com/office/drawing/2010/main" val="0"/>
+              </a:ext>
+            </a:extLst>
+          </a:blip>
+          <a:srcRect/>
+          <a:stretch>
+            <a:fillRect/>
+          </a:stretch>
+        </p:blipFill>
+        <p:spPr bwMode="auto">
+          <a:xfrm>
+            <a:off x="3606266" y="1874490"/>
+            <a:ext cx="8252942" cy="4760518"/>
+          </a:xfrm>
+          <a:prstGeom prst="rect">
+            <a:avLst/>
+          </a:prstGeom>
+          <a:noFill/>
+          <a:extLst>
+            <a:ext uri="{909E8E84-426E-40DD-AFC4-6F175D3DCCD1}">
+              <a14:hiddenFill xmlns:a14="http://schemas.microsoft.com/office/drawing/2010/main">
+                <a:solidFill>
+                  <a:srgbClr val="FFFFFF"/>
+                </a:solidFill>
+              </a14:hiddenFill>
+            </a:ext>
+          </a:extLst>
+        </p:spPr>
+      </p:pic>
+      <p:sp>
+        <p:nvSpPr>
+          <p:cNvPr id="6" name="Título 5">
+            <a:extLst>
+              <a:ext uri="{FF2B5EF4-FFF2-40B4-BE49-F238E27FC236}">
+                <a16:creationId xmlns:a16="http://schemas.microsoft.com/office/drawing/2014/main" id="{CD3435CB-4537-4F1F-A11E-27DE31650A8C}"/>
+              </a:ext>
+            </a:extLst>
+          </p:cNvPr>
+          <p:cNvSpPr>
+            <a:spLocks noGrp="1"/>
+          </p:cNvSpPr>
+          <p:nvPr>
+            <p:ph type="title"/>
+          </p:nvPr>
+        </p:nvSpPr>
+        <p:spPr>
+          <a:xfrm>
+            <a:off x="138298" y="39702"/>
+            <a:ext cx="10171771" cy="1055673"/>
+          </a:xfrm>
+        </p:spPr>
+        <p:txBody>
+          <a:bodyPr>
+            <a:normAutofit/>
+          </a:bodyPr>
+          <a:lstStyle/>
+          <a:p>
+            <a:pPr algn="ctr"/>
+            <a:r>
+              <a:rPr lang="es-CO" b="1" dirty="0"/>
+              <a:t>Implementación de métodos de Ensamble</a:t>
+            </a:r>
+          </a:p>
+        </p:txBody>
+      </p:sp>
+      <p:pic>
+        <p:nvPicPr>
+          <p:cNvPr id="4" name="Picture 2" descr="UTB Oficial (@utboficial) | Twitter">
+            <a:extLst>
+              <a:ext uri="{FF2B5EF4-FFF2-40B4-BE49-F238E27FC236}">
+                <a16:creationId xmlns:a16="http://schemas.microsoft.com/office/drawing/2014/main" id="{62D7FF42-DADD-4B5A-A1B7-2AEE10B278CF}"/>
+              </a:ext>
+            </a:extLst>
+          </p:cNvPr>
+          <p:cNvPicPr>
+            <a:picLocks noChangeAspect="1" noChangeArrowheads="1"/>
+          </p:cNvPicPr>
+          <p:nvPr/>
+        </p:nvPicPr>
+        <p:blipFill rotWithShape="1">
+          <a:blip r:embed="rId3">
+            <a:extLst>
+              <a:ext uri="{28A0092B-C50C-407E-A947-70E740481C1C}">
+                <a14:useLocalDpi xmlns:a14="http://schemas.microsoft.com/office/drawing/2010/main" val="0"/>
+              </a:ext>
+            </a:extLst>
+          </a:blip>
+          <a:srcRect l="3720" t="25543" r="-1" b="29567"/>
+          <a:stretch/>
+        </p:blipFill>
+        <p:spPr bwMode="auto">
+          <a:xfrm>
+            <a:off x="10815782" y="0"/>
+            <a:ext cx="1376218" cy="641640"/>
+          </a:xfrm>
+          <a:prstGeom prst="rect">
+            <a:avLst/>
+          </a:prstGeom>
+          <a:noFill/>
+          <a:extLst>
+            <a:ext uri="{909E8E84-426E-40DD-AFC4-6F175D3DCCD1}">
+              <a14:hiddenFill xmlns:a14="http://schemas.microsoft.com/office/drawing/2010/main">
+                <a:solidFill>
+                  <a:srgbClr val="FFFFFF"/>
+                </a:solidFill>
+              </a14:hiddenFill>
+            </a:ext>
+          </a:extLst>
+        </p:spPr>
+      </p:pic>
+      <p:sp>
+        <p:nvSpPr>
+          <p:cNvPr id="5" name="CuadroTexto 4">
+            <a:extLst>
+              <a:ext uri="{FF2B5EF4-FFF2-40B4-BE49-F238E27FC236}">
+                <a16:creationId xmlns:a16="http://schemas.microsoft.com/office/drawing/2014/main" id="{C54765C7-57E2-96CA-03AE-65D25C6BAD2A}"/>
+              </a:ext>
+            </a:extLst>
+          </p:cNvPr>
+          <p:cNvSpPr txBox="1"/>
+          <p:nvPr/>
+        </p:nvSpPr>
+        <p:spPr>
+          <a:xfrm>
+            <a:off x="207448" y="1000125"/>
+            <a:ext cx="11651760" cy="1015663"/>
+          </a:xfrm>
+          <a:prstGeom prst="rect">
+            <a:avLst/>
+          </a:prstGeom>
+          <a:noFill/>
+        </p:spPr>
+        <p:txBody>
+          <a:bodyPr wrap="square" rtlCol="0">
+            <a:spAutoFit/>
+          </a:bodyPr>
+          <a:lstStyle/>
+          <a:p>
+            <a:pPr algn="just"/>
+            <a:r>
+              <a:rPr lang="es-CO" sz="1200" dirty="0"/>
+              <a:t>Se implementaron 10 modelos de regresión: </a:t>
+            </a:r>
+            <a:r>
+              <a:rPr lang="es-CO" sz="1200" b="1" i="1" dirty="0" err="1"/>
+              <a:t>RandomForestRegressor</a:t>
+            </a:r>
+            <a:r>
+              <a:rPr lang="es-CO" sz="1200" b="1" i="1" dirty="0"/>
+              <a:t>, </a:t>
+            </a:r>
+            <a:r>
+              <a:rPr lang="es-CO" sz="1200" b="1" i="1" dirty="0" err="1"/>
+              <a:t>AdaBoostRegressor</a:t>
+            </a:r>
+            <a:r>
+              <a:rPr lang="es-CO" sz="1200" b="1" i="1" dirty="0"/>
+              <a:t>, </a:t>
+            </a:r>
+            <a:r>
+              <a:rPr lang="es-CO" sz="1200" b="1" i="1" dirty="0" err="1"/>
+              <a:t>GradientBoostingRegressor</a:t>
+            </a:r>
+            <a:r>
+              <a:rPr lang="es-CO" sz="1200" b="1" i="1" dirty="0"/>
+              <a:t>, </a:t>
+            </a:r>
+            <a:r>
+              <a:rPr lang="es-CO" sz="1200" b="1" i="1" dirty="0" err="1"/>
+              <a:t>ExtraTreesRegressor</a:t>
+            </a:r>
+            <a:r>
+              <a:rPr lang="es-CO" sz="1200" b="1" i="1" dirty="0"/>
+              <a:t>, </a:t>
+            </a:r>
+            <a:r>
+              <a:rPr lang="es-CO" sz="1200" b="1" i="1" dirty="0" err="1"/>
+              <a:t>BaggingRegressor</a:t>
+            </a:r>
+            <a:r>
+              <a:rPr lang="es-CO" sz="1200" b="1" i="1" dirty="0"/>
+              <a:t>, </a:t>
+            </a:r>
+            <a:r>
+              <a:rPr lang="es-CO" sz="1200" b="1" i="1" dirty="0" err="1"/>
+              <a:t>HistGradientBoostingRegressor</a:t>
+            </a:r>
+            <a:r>
+              <a:rPr lang="es-CO" sz="1200" b="1" i="1" dirty="0"/>
+              <a:t>, </a:t>
+            </a:r>
+            <a:r>
+              <a:rPr lang="es-CO" sz="1200" b="1" i="1" dirty="0" err="1"/>
+              <a:t>KNeighborsRegressor</a:t>
+            </a:r>
+            <a:r>
+              <a:rPr lang="es-CO" sz="1200" b="1" i="1" dirty="0"/>
+              <a:t>, </a:t>
+            </a:r>
+            <a:r>
+              <a:rPr lang="es-CO" sz="1200" b="1" i="1" dirty="0" err="1"/>
+              <a:t>DecisionTreeRegressor</a:t>
+            </a:r>
+            <a:r>
+              <a:rPr lang="es-CO" sz="1200" b="1" i="1" dirty="0"/>
+              <a:t>, </a:t>
+            </a:r>
+            <a:r>
+              <a:rPr lang="es-CO" sz="1200" b="1" i="1" dirty="0" err="1"/>
+              <a:t>MLPRegressor</a:t>
+            </a:r>
+            <a:r>
+              <a:rPr lang="es-CO" sz="1200" b="1" i="1" dirty="0"/>
+              <a:t>, </a:t>
+            </a:r>
+            <a:r>
+              <a:rPr lang="es-CO" sz="1200" b="1" i="1" dirty="0" err="1"/>
+              <a:t>LinearRegression</a:t>
+            </a:r>
+            <a:r>
+              <a:rPr lang="es-CO" sz="1200" dirty="0"/>
+              <a:t>.</a:t>
+            </a:r>
+          </a:p>
+          <a:p>
+            <a:pPr algn="just"/>
+            <a:r>
+              <a:rPr lang="es-CO" sz="1200" dirty="0"/>
+              <a:t>Para validación de los modelos con Cross-</a:t>
+            </a:r>
+            <a:r>
+              <a:rPr lang="es-CO" sz="1200" dirty="0" err="1"/>
+              <a:t>Validation</a:t>
+            </a:r>
+            <a:r>
+              <a:rPr lang="es-CO" sz="1200" dirty="0"/>
+              <a:t> de 5 </a:t>
+            </a:r>
+            <a:r>
+              <a:rPr lang="es-CO" sz="1200" dirty="0" err="1"/>
+              <a:t>folds</a:t>
+            </a:r>
+            <a:r>
+              <a:rPr lang="es-CO" sz="1200" dirty="0"/>
+              <a:t> se uso el </a:t>
+            </a:r>
+            <a:r>
+              <a:rPr lang="es-CO" sz="1200" dirty="0" err="1"/>
+              <a:t>scoring</a:t>
+            </a:r>
+            <a:r>
+              <a:rPr lang="es-CO" sz="1200" dirty="0"/>
+              <a:t> por Mean Square Error (MSE) y para comparación de los modelos se usaron dos métricas R2 y RMSE.</a:t>
+            </a:r>
+          </a:p>
+          <a:p>
+            <a:pPr algn="just"/>
+            <a:r>
+              <a:rPr lang="es-CO" sz="1200" dirty="0"/>
+              <a:t>Como dato relevante se tiene que el modelo </a:t>
+            </a:r>
+            <a:r>
+              <a:rPr lang="es-CO" sz="1200" dirty="0" err="1"/>
+              <a:t>GradientBoostingRegressor</a:t>
+            </a:r>
+            <a:r>
+              <a:rPr lang="es-CO" sz="1200" dirty="0"/>
+              <a:t> tuvo un desempeño que es casi igual al de los métodos de </a:t>
+            </a:r>
+            <a:r>
+              <a:rPr lang="es-CO" sz="1200" dirty="0" err="1"/>
+              <a:t>Stacking</a:t>
+            </a:r>
+            <a:r>
+              <a:rPr lang="es-CO" sz="1200" dirty="0"/>
+              <a:t> o </a:t>
+            </a:r>
+            <a:r>
+              <a:rPr lang="es-CO" sz="1200" dirty="0" err="1"/>
+              <a:t>Voting</a:t>
+            </a:r>
+            <a:r>
+              <a:rPr lang="es-CO" sz="1200" dirty="0"/>
+              <a:t>, pero debido a la complejidad de estos modelos, seria ideal usar este modelo o </a:t>
+            </a:r>
+            <a:r>
+              <a:rPr lang="es-CO" sz="1200" dirty="0" err="1"/>
+              <a:t>RandomForest</a:t>
+            </a:r>
+            <a:r>
+              <a:rPr lang="es-CO" sz="1200" dirty="0"/>
+              <a:t>.</a:t>
+            </a:r>
+          </a:p>
+        </p:txBody>
+      </p:sp>
+      <p:sp>
+        <p:nvSpPr>
+          <p:cNvPr id="2" name="CuadroTexto 1">
+            <a:extLst>
+              <a:ext uri="{FF2B5EF4-FFF2-40B4-BE49-F238E27FC236}">
+                <a16:creationId xmlns:a16="http://schemas.microsoft.com/office/drawing/2014/main" id="{92769C65-2229-BD80-87D2-C249EEFFEA06}"/>
+              </a:ext>
+            </a:extLst>
+          </p:cNvPr>
+          <p:cNvSpPr txBox="1"/>
+          <p:nvPr/>
+        </p:nvSpPr>
+        <p:spPr>
+          <a:xfrm>
+            <a:off x="2369977" y="6559741"/>
+            <a:ext cx="9822024" cy="276999"/>
+          </a:xfrm>
+          <a:prstGeom prst="rect">
+            <a:avLst/>
+          </a:prstGeom>
+          <a:noFill/>
+        </p:spPr>
+        <p:txBody>
+          <a:bodyPr wrap="square" rtlCol="0">
+            <a:spAutoFit/>
+          </a:bodyPr>
+          <a:lstStyle/>
+          <a:p>
+            <a:pPr algn="r"/>
+            <a:r>
+              <a:rPr lang="es-CO" sz="1200" dirty="0"/>
+              <a:t>Notebook: </a:t>
+            </a:r>
+            <a:r>
+              <a:rPr lang="es-CO" sz="1200" dirty="0">
+                <a:hlinkClick r:id="rId4"/>
+              </a:rPr>
+              <a:t>https://github.com/dherrerambo/analisis-de-datos-avanzados/blob/master/Clase%208%20-%20Ensamble%20Models/Tarea8.ipynb</a:t>
+            </a:r>
+            <a:endParaRPr lang="es-CO" sz="1200" dirty="0"/>
+          </a:p>
+        </p:txBody>
+      </p:sp>
+      <p:pic>
+        <p:nvPicPr>
+          <p:cNvPr id="14" name="Imagen 13">
+            <a:extLst>
+              <a:ext uri="{FF2B5EF4-FFF2-40B4-BE49-F238E27FC236}">
+                <a16:creationId xmlns:a16="http://schemas.microsoft.com/office/drawing/2014/main" id="{E929C1CA-DB4E-95D7-C83B-CAE61F3491E1}"/>
+              </a:ext>
+            </a:extLst>
+          </p:cNvPr>
+          <p:cNvPicPr>
+            <a:picLocks noChangeAspect="1"/>
+          </p:cNvPicPr>
+          <p:nvPr/>
+        </p:nvPicPr>
+        <p:blipFill>
+          <a:blip r:embed="rId5"/>
+          <a:stretch>
+            <a:fillRect/>
+          </a:stretch>
+        </p:blipFill>
+        <p:spPr>
+          <a:xfrm>
+            <a:off x="332792" y="2002947"/>
+            <a:ext cx="3033227" cy="4503603"/>
+          </a:xfrm>
+          <a:prstGeom prst="rect">
+            <a:avLst/>
+          </a:prstGeom>
+        </p:spPr>
+      </p:pic>
+    </p:spTree>
+    <p:extLst>
+      <p:ext uri="{BB962C8B-B14F-4D97-AF65-F5344CB8AC3E}">
+        <p14:creationId xmlns:p14="http://schemas.microsoft.com/office/powerpoint/2010/main" val="1087520170"/>
       </p:ext>
     </p:extLst>
   </p:cSld>
